--- a/课程PPT/18.JS标准内置对象-构造器（Array）.pptx
+++ b/课程PPT/18.JS标准内置对象-构造器（Array）.pptx
@@ -5,22 +5,22 @@
     <p:sldMasterId id="2147483648" r:id="rId1"/>
   </p:sldMasterIdLst>
   <p:notesMasterIdLst>
-    <p:notesMasterId r:id="rId15"/>
+    <p:notesMasterId r:id="rId5"/>
   </p:notesMasterIdLst>
   <p:sldIdLst>
-    <p:sldId id="1223" r:id="rId2"/>
-    <p:sldId id="1228" r:id="rId3"/>
-    <p:sldId id="1230" r:id="rId4"/>
-    <p:sldId id="1231" r:id="rId5"/>
-    <p:sldId id="1232" r:id="rId6"/>
-    <p:sldId id="1229" r:id="rId7"/>
-    <p:sldId id="1233" r:id="rId8"/>
-    <p:sldId id="1234" r:id="rId9"/>
-    <p:sldId id="1235" r:id="rId10"/>
-    <p:sldId id="1236" r:id="rId11"/>
-    <p:sldId id="1240" r:id="rId12"/>
-    <p:sldId id="1249" r:id="rId13"/>
-    <p:sldId id="1104" r:id="rId14"/>
+    <p:sldId id="1223" r:id="rId3"/>
+    <p:sldId id="1228" r:id="rId4"/>
+    <p:sldId id="1230" r:id="rId6"/>
+    <p:sldId id="1231" r:id="rId7"/>
+    <p:sldId id="1232" r:id="rId8"/>
+    <p:sldId id="1229" r:id="rId9"/>
+    <p:sldId id="1233" r:id="rId10"/>
+    <p:sldId id="1234" r:id="rId11"/>
+    <p:sldId id="1235" r:id="rId12"/>
+    <p:sldId id="1236" r:id="rId13"/>
+    <p:sldId id="1240" r:id="rId14"/>
+    <p:sldId id="1249" r:id="rId15"/>
+    <p:sldId id="1104" r:id="rId16"/>
   </p:sldIdLst>
   <p:sldSz cx="12192000" cy="6858000"/>
   <p:notesSz cx="6797675" cy="9928225"/>
@@ -339,6 +339,7 @@
               <a:rPr lang="zh-CN" altLang="zh-CN" noProof="0" smtClean="0"/>
               <a:t>                                                   </a:t>
             </a:r>
+            <a:endParaRPr lang="zh-CN" altLang="zh-CN" noProof="0" smtClean="0"/>
           </a:p>
           <a:p>
             <a:pPr lvl="1"/>
@@ -346,6 +347,7 @@
               <a:rPr lang="zh-CN" altLang="zh-CN" noProof="0" smtClean="0"/>
               <a:t>               </a:t>
             </a:r>
+            <a:endParaRPr lang="zh-CN" altLang="zh-CN" noProof="0" smtClean="0"/>
           </a:p>
           <a:p>
             <a:pPr lvl="2"/>
@@ -353,6 +355,7 @@
               <a:rPr lang="zh-CN" altLang="zh-CN" noProof="0" smtClean="0"/>
               <a:t>                </a:t>
             </a:r>
+            <a:endParaRPr lang="zh-CN" altLang="zh-CN" noProof="0" smtClean="0"/>
           </a:p>
           <a:p>
             <a:pPr lvl="3"/>
@@ -360,6 +363,7 @@
               <a:rPr lang="zh-CN" altLang="zh-CN" noProof="0" smtClean="0"/>
               <a:t>                </a:t>
             </a:r>
+            <a:endParaRPr lang="zh-CN" altLang="zh-CN" noProof="0" smtClean="0"/>
           </a:p>
           <a:p>
             <a:pPr lvl="4"/>
@@ -367,6 +371,7 @@
               <a:rPr lang="zh-CN" altLang="zh-CN" noProof="0" smtClean="0"/>
               <a:t>                </a:t>
             </a:r>
+            <a:endParaRPr lang="zh-CN" altLang="zh-CN" noProof="0" smtClean="0"/>
           </a:p>
         </p:txBody>
       </p:sp>
@@ -449,18 +454,12 @@
           <a:p>
             <a:fld id="{D9AFD278-84AA-4CAA-9049-809825956FE0}" type="slidenum">
               <a:rPr lang="en-US" altLang="zh-CN"/>
-              <a:t>‹#›</a:t>
             </a:fld>
             <a:endParaRPr lang="zh-CN" altLang="zh-CN"/>
           </a:p>
         </p:txBody>
       </p:sp>
     </p:spTree>
-    <p:extLst>
-      <p:ext uri="{BB962C8B-B14F-4D97-AF65-F5344CB8AC3E}">
-        <p14:creationId xmlns:p14="http://schemas.microsoft.com/office/powerpoint/2010/main" val="3820683394"/>
-      </p:ext>
-    </p:extLst>
   </p:cSld>
   <p:clrMap bg1="lt1" tx1="dk1" bg2="lt2" tx2="dk2" accent1="accent1" accent2="accent2" accent3="accent3" accent4="accent4" accent5="accent5" accent6="accent6" hlink="hlink" folHlink="folHlink"/>
   <p:notesStyle>
@@ -1274,6 +1273,7 @@
               <a:rPr lang="zh-CN" altLang="en-US" dirty="0" smtClean="0"/>
               <a:t>单击此处编辑母版文本样式</a:t>
             </a:r>
+            <a:endParaRPr lang="zh-CN" altLang="en-US" dirty="0" smtClean="0"/>
           </a:p>
           <a:p>
             <a:pPr lvl="1"/>
@@ -1281,6 +1281,7 @@
               <a:rPr lang="zh-CN" altLang="en-US" dirty="0" smtClean="0"/>
               <a:t>第二级</a:t>
             </a:r>
+            <a:endParaRPr lang="zh-CN" altLang="en-US" dirty="0" smtClean="0"/>
           </a:p>
           <a:p>
             <a:pPr lvl="2"/>
@@ -1288,6 +1289,7 @@
               <a:rPr lang="zh-CN" altLang="en-US" dirty="0" smtClean="0"/>
               <a:t>第三级</a:t>
             </a:r>
+            <a:endParaRPr lang="zh-CN" altLang="en-US" dirty="0" smtClean="0"/>
           </a:p>
           <a:p>
             <a:pPr lvl="3"/>
@@ -1295,6 +1297,7 @@
               <a:rPr lang="zh-CN" altLang="en-US" dirty="0" smtClean="0"/>
               <a:t>第四级</a:t>
             </a:r>
+            <a:endParaRPr lang="zh-CN" altLang="en-US" dirty="0" smtClean="0"/>
           </a:p>
         </p:txBody>
       </p:sp>
@@ -1356,6 +1359,7 @@
               <a:rPr lang="zh-CN" altLang="en-US" dirty="0" smtClean="0"/>
               <a:t>单击此处编辑母版文本样式</a:t>
             </a:r>
+            <a:endParaRPr lang="zh-CN" altLang="en-US" dirty="0" smtClean="0"/>
           </a:p>
         </p:txBody>
       </p:sp>
@@ -1412,7 +1416,6 @@
           <a:p>
             <a:fld id="{2030C94F-1E7C-47E3-9C60-176A530B03BF}" type="slidenum">
               <a:rPr lang="en-US" altLang="zh-CN"/>
-              <a:t>‹#›</a:t>
             </a:fld>
             <a:endParaRPr lang="zh-CN" altLang="zh-CN" sz="3200" b="0"/>
           </a:p>
@@ -1503,6 +1506,7 @@
               <a:rPr lang="zh-CN" altLang="en-US" dirty="0" smtClean="0"/>
               <a:t>单击此处编辑母版文本样式</a:t>
             </a:r>
+            <a:endParaRPr lang="zh-CN" altLang="en-US" dirty="0" smtClean="0"/>
           </a:p>
           <a:p>
             <a:pPr lvl="1"/>
@@ -1510,6 +1514,7 @@
               <a:rPr lang="zh-CN" altLang="en-US" dirty="0" smtClean="0"/>
               <a:t>第二级</a:t>
             </a:r>
+            <a:endParaRPr lang="zh-CN" altLang="en-US" dirty="0" smtClean="0"/>
           </a:p>
           <a:p>
             <a:pPr lvl="2"/>
@@ -1517,6 +1522,7 @@
               <a:rPr lang="zh-CN" altLang="en-US" dirty="0" smtClean="0"/>
               <a:t>第三级</a:t>
             </a:r>
+            <a:endParaRPr lang="zh-CN" altLang="en-US" dirty="0" smtClean="0"/>
           </a:p>
           <a:p>
             <a:pPr lvl="3"/>
@@ -1524,6 +1530,7 @@
               <a:rPr lang="zh-CN" altLang="en-US" dirty="0" smtClean="0"/>
               <a:t>第四级</a:t>
             </a:r>
+            <a:endParaRPr lang="zh-CN" altLang="en-US" dirty="0" smtClean="0"/>
           </a:p>
         </p:txBody>
       </p:sp>
@@ -1581,6 +1588,7 @@
               <a:rPr lang="zh-CN" altLang="en-US" dirty="0" smtClean="0"/>
               <a:t>单击此处编辑母版文本样式</a:t>
             </a:r>
+            <a:endParaRPr lang="zh-CN" altLang="en-US" dirty="0" smtClean="0"/>
           </a:p>
         </p:txBody>
       </p:sp>
@@ -1662,6 +1670,7 @@
               <a:rPr lang="zh-CN" altLang="en-US" dirty="0" smtClean="0"/>
               <a:t>单击此处编辑母版文本样式</a:t>
             </a:r>
+            <a:endParaRPr lang="zh-CN" altLang="en-US" dirty="0" smtClean="0"/>
           </a:p>
           <a:p>
             <a:pPr lvl="1"/>
@@ -1669,6 +1678,7 @@
               <a:rPr lang="zh-CN" altLang="en-US" dirty="0" smtClean="0"/>
               <a:t>第二级</a:t>
             </a:r>
+            <a:endParaRPr lang="zh-CN" altLang="en-US" dirty="0" smtClean="0"/>
           </a:p>
           <a:p>
             <a:pPr lvl="2"/>
@@ -1676,6 +1686,7 @@
               <a:rPr lang="zh-CN" altLang="en-US" dirty="0" smtClean="0"/>
               <a:t>第三级</a:t>
             </a:r>
+            <a:endParaRPr lang="zh-CN" altLang="en-US" dirty="0" smtClean="0"/>
           </a:p>
           <a:p>
             <a:pPr lvl="3"/>
@@ -1683,6 +1694,7 @@
               <a:rPr lang="zh-CN" altLang="en-US" dirty="0" smtClean="0"/>
               <a:t>第四级</a:t>
             </a:r>
+            <a:endParaRPr lang="zh-CN" altLang="en-US" dirty="0" smtClean="0"/>
           </a:p>
         </p:txBody>
       </p:sp>
@@ -1740,6 +1752,7 @@
               <a:rPr lang="zh-CN" altLang="en-US" dirty="0" smtClean="0"/>
               <a:t>单击此处编辑母版文本样式</a:t>
             </a:r>
+            <a:endParaRPr lang="zh-CN" altLang="en-US" dirty="0" smtClean="0"/>
           </a:p>
         </p:txBody>
       </p:sp>
@@ -1821,6 +1834,7 @@
               <a:rPr lang="zh-CN" altLang="en-US" dirty="0" smtClean="0"/>
               <a:t>单击此处编辑母版文本样式</a:t>
             </a:r>
+            <a:endParaRPr lang="zh-CN" altLang="en-US" dirty="0" smtClean="0"/>
           </a:p>
           <a:p>
             <a:pPr lvl="1"/>
@@ -1828,6 +1842,7 @@
               <a:rPr lang="zh-CN" altLang="en-US" dirty="0" smtClean="0"/>
               <a:t>第二级</a:t>
             </a:r>
+            <a:endParaRPr lang="zh-CN" altLang="en-US" dirty="0" smtClean="0"/>
           </a:p>
           <a:p>
             <a:pPr lvl="2"/>
@@ -1835,6 +1850,7 @@
               <a:rPr lang="zh-CN" altLang="en-US" dirty="0" smtClean="0"/>
               <a:t>第三级</a:t>
             </a:r>
+            <a:endParaRPr lang="zh-CN" altLang="en-US" dirty="0" smtClean="0"/>
           </a:p>
           <a:p>
             <a:pPr lvl="3"/>
@@ -1842,6 +1858,7 @@
               <a:rPr lang="zh-CN" altLang="en-US" dirty="0" smtClean="0"/>
               <a:t>第四级</a:t>
             </a:r>
+            <a:endParaRPr lang="zh-CN" altLang="en-US" dirty="0" smtClean="0"/>
           </a:p>
         </p:txBody>
       </p:sp>
@@ -1899,6 +1916,7 @@
               <a:rPr lang="zh-CN" altLang="en-US" dirty="0" smtClean="0"/>
               <a:t>单击此处编辑母版文本样式</a:t>
             </a:r>
+            <a:endParaRPr lang="zh-CN" altLang="en-US" dirty="0" smtClean="0"/>
           </a:p>
         </p:txBody>
       </p:sp>
@@ -1980,6 +1998,7 @@
               <a:rPr lang="zh-CN" altLang="en-US" dirty="0" smtClean="0"/>
               <a:t>单击此处编辑母版文本样式</a:t>
             </a:r>
+            <a:endParaRPr lang="zh-CN" altLang="en-US" dirty="0" smtClean="0"/>
           </a:p>
           <a:p>
             <a:pPr lvl="1"/>
@@ -1987,6 +2006,7 @@
               <a:rPr lang="zh-CN" altLang="en-US" dirty="0" smtClean="0"/>
               <a:t>第二级</a:t>
             </a:r>
+            <a:endParaRPr lang="zh-CN" altLang="en-US" dirty="0" smtClean="0"/>
           </a:p>
           <a:p>
             <a:pPr lvl="2"/>
@@ -1994,6 +2014,7 @@
               <a:rPr lang="zh-CN" altLang="en-US" dirty="0" smtClean="0"/>
               <a:t>第三级</a:t>
             </a:r>
+            <a:endParaRPr lang="zh-CN" altLang="en-US" dirty="0" smtClean="0"/>
           </a:p>
           <a:p>
             <a:pPr lvl="3"/>
@@ -2001,6 +2022,7 @@
               <a:rPr lang="zh-CN" altLang="en-US" dirty="0" smtClean="0"/>
               <a:t>第四级</a:t>
             </a:r>
+            <a:endParaRPr lang="zh-CN" altLang="en-US" dirty="0" smtClean="0"/>
           </a:p>
         </p:txBody>
       </p:sp>
@@ -2058,6 +2080,7 @@
               <a:rPr lang="zh-CN" altLang="en-US" dirty="0" smtClean="0"/>
               <a:t>单击此处编辑母版文本样式</a:t>
             </a:r>
+            <a:endParaRPr lang="zh-CN" altLang="en-US" dirty="0" smtClean="0"/>
           </a:p>
         </p:txBody>
       </p:sp>
@@ -2139,6 +2162,7 @@
               <a:rPr lang="zh-CN" altLang="en-US" dirty="0" smtClean="0"/>
               <a:t>单击此处编辑母版文本样式</a:t>
             </a:r>
+            <a:endParaRPr lang="zh-CN" altLang="en-US" dirty="0" smtClean="0"/>
           </a:p>
           <a:p>
             <a:pPr lvl="1"/>
@@ -2146,6 +2170,7 @@
               <a:rPr lang="zh-CN" altLang="en-US" dirty="0" smtClean="0"/>
               <a:t>第二级</a:t>
             </a:r>
+            <a:endParaRPr lang="zh-CN" altLang="en-US" dirty="0" smtClean="0"/>
           </a:p>
           <a:p>
             <a:pPr lvl="2"/>
@@ -2153,6 +2178,7 @@
               <a:rPr lang="zh-CN" altLang="en-US" dirty="0" smtClean="0"/>
               <a:t>第三级</a:t>
             </a:r>
+            <a:endParaRPr lang="zh-CN" altLang="en-US" dirty="0" smtClean="0"/>
           </a:p>
           <a:p>
             <a:pPr lvl="3"/>
@@ -2160,6 +2186,7 @@
               <a:rPr lang="zh-CN" altLang="en-US" dirty="0" smtClean="0"/>
               <a:t>第四级</a:t>
             </a:r>
+            <a:endParaRPr lang="zh-CN" altLang="en-US" dirty="0" smtClean="0"/>
           </a:p>
         </p:txBody>
       </p:sp>
@@ -2217,6 +2244,7 @@
               <a:rPr lang="zh-CN" altLang="en-US" dirty="0" smtClean="0"/>
               <a:t>单击此处编辑母版文本样式</a:t>
             </a:r>
+            <a:endParaRPr lang="zh-CN" altLang="en-US" dirty="0" smtClean="0"/>
           </a:p>
         </p:txBody>
       </p:sp>
@@ -2298,6 +2326,7 @@
               <a:rPr lang="zh-CN" altLang="en-US" dirty="0" smtClean="0"/>
               <a:t>单击此处编辑母版文本样式</a:t>
             </a:r>
+            <a:endParaRPr lang="zh-CN" altLang="en-US" dirty="0" smtClean="0"/>
           </a:p>
           <a:p>
             <a:pPr lvl="1"/>
@@ -2305,6 +2334,7 @@
               <a:rPr lang="zh-CN" altLang="en-US" dirty="0" smtClean="0"/>
               <a:t>第二级</a:t>
             </a:r>
+            <a:endParaRPr lang="zh-CN" altLang="en-US" dirty="0" smtClean="0"/>
           </a:p>
           <a:p>
             <a:pPr lvl="2"/>
@@ -2312,6 +2342,7 @@
               <a:rPr lang="zh-CN" altLang="en-US" dirty="0" smtClean="0"/>
               <a:t>第三级</a:t>
             </a:r>
+            <a:endParaRPr lang="zh-CN" altLang="en-US" dirty="0" smtClean="0"/>
           </a:p>
           <a:p>
             <a:pPr lvl="3"/>
@@ -2319,6 +2350,7 @@
               <a:rPr lang="zh-CN" altLang="en-US" dirty="0" smtClean="0"/>
               <a:t>第四级</a:t>
             </a:r>
+            <a:endParaRPr lang="zh-CN" altLang="en-US" dirty="0" smtClean="0"/>
           </a:p>
         </p:txBody>
       </p:sp>
@@ -2376,6 +2408,7 @@
               <a:rPr lang="zh-CN" altLang="en-US" dirty="0" smtClean="0"/>
               <a:t>单击此处编辑母版文本样式</a:t>
             </a:r>
+            <a:endParaRPr lang="zh-CN" altLang="en-US" dirty="0" smtClean="0"/>
           </a:p>
         </p:txBody>
       </p:sp>
@@ -2457,6 +2490,7 @@
               <a:rPr lang="zh-CN" altLang="en-US" dirty="0" smtClean="0"/>
               <a:t>单击此处编辑母版文本样式</a:t>
             </a:r>
+            <a:endParaRPr lang="zh-CN" altLang="en-US" dirty="0" smtClean="0"/>
           </a:p>
           <a:p>
             <a:pPr lvl="1"/>
@@ -2464,6 +2498,7 @@
               <a:rPr lang="zh-CN" altLang="en-US" dirty="0" smtClean="0"/>
               <a:t>第二级</a:t>
             </a:r>
+            <a:endParaRPr lang="zh-CN" altLang="en-US" dirty="0" smtClean="0"/>
           </a:p>
           <a:p>
             <a:pPr lvl="2"/>
@@ -2471,6 +2506,7 @@
               <a:rPr lang="zh-CN" altLang="en-US" dirty="0" smtClean="0"/>
               <a:t>第三级</a:t>
             </a:r>
+            <a:endParaRPr lang="zh-CN" altLang="en-US" dirty="0" smtClean="0"/>
           </a:p>
           <a:p>
             <a:pPr lvl="3"/>
@@ -2478,6 +2514,7 @@
               <a:rPr lang="zh-CN" altLang="en-US" dirty="0" smtClean="0"/>
               <a:t>第四级</a:t>
             </a:r>
+            <a:endParaRPr lang="zh-CN" altLang="en-US" dirty="0" smtClean="0"/>
           </a:p>
         </p:txBody>
       </p:sp>
@@ -2539,6 +2576,7 @@
               <a:rPr lang="zh-CN" altLang="en-US" dirty="0" smtClean="0"/>
               <a:t>单击此处编辑母版文本样式</a:t>
             </a:r>
+            <a:endParaRPr lang="zh-CN" altLang="en-US" dirty="0" smtClean="0"/>
           </a:p>
         </p:txBody>
       </p:sp>
@@ -2556,7 +2594,7 @@
     <p:bg bwMode="auto">
       <p:bgPr>
         <a:blipFill dpi="0" rotWithShape="0">
-          <a:blip r:embed="rId11"/>
+          <a:blip r:embed="rId10"/>
           <a:srcRect/>
           <a:stretch>
             <a:fillRect/>
@@ -2615,7 +2653,6 @@
           <a:p>
             <a:fld id="{43A45880-9E2A-43E4-955C-AEB11E14255E}" type="slidenum">
               <a:rPr lang="en-US" altLang="zh-CN"/>
-              <a:t>‹#›</a:t>
             </a:fld>
             <a:endParaRPr lang="zh-CN" altLang="zh-CN"/>
           </a:p>
@@ -2630,7 +2667,7 @@
           <p:nvPr/>
         </p:nvPicPr>
         <p:blipFill>
-          <a:blip r:embed="rId12">
+          <a:blip r:embed="rId11">
             <a:extLst>
               <a:ext uri="{28A0092B-C50C-407E-A947-70E740481C1C}">
                 <a14:useLocalDpi xmlns:a14="http://schemas.microsoft.com/office/drawing/2010/main" val="0"/>
@@ -2684,7 +2721,7 @@
           <p:nvPr/>
         </p:nvPicPr>
         <p:blipFill>
-          <a:blip r:embed="rId13">
+          <a:blip r:embed="rId12">
             <a:extLst>
               <a:ext uri="{28A0092B-C50C-407E-A947-70E740481C1C}">
                 <a14:useLocalDpi xmlns:a14="http://schemas.microsoft.com/office/drawing/2010/main" val="0"/>
@@ -3197,7 +3234,7 @@
           <p:nvPr/>
         </p:nvPicPr>
         <p:blipFill>
-          <a:blip r:embed="rId2">
+          <a:blip r:embed="rId1">
             <a:extLst>
               <a:ext uri="{28A0092B-C50C-407E-A947-70E740481C1C}">
                 <a14:useLocalDpi xmlns:a14="http://schemas.microsoft.com/office/drawing/2010/main" val="0"/>
@@ -3493,7 +3530,7 @@
           <p:nvPr/>
         </p:nvPicPr>
         <p:blipFill>
-          <a:blip r:embed="rId3">
+          <a:blip r:embed="rId2">
             <a:extLst>
               <a:ext uri="{28A0092B-C50C-407E-A947-70E740481C1C}">
                 <a14:useLocalDpi xmlns:a14="http://schemas.microsoft.com/office/drawing/2010/main" val="0"/>
@@ -3667,15 +3704,6 @@
               </a:rPr>
               <a:t>等（具体参见实例）</a:t>
             </a:r>
-            <a:r>
-              <a:rPr lang="en-US" altLang="zh-CN" sz="1800" dirty="0">
-                <a:solidFill>
-                  <a:schemeClr val="tx1"/>
-                </a:solidFill>
-                <a:sym typeface="+mn-ea"/>
-              </a:rPr>
-              <a:t/>
-            </a:r>
             <a:br>
               <a:rPr lang="en-US" altLang="zh-CN" sz="1800" dirty="0">
                 <a:solidFill>
@@ -3684,15 +3712,6 @@
                 <a:sym typeface="+mn-ea"/>
               </a:rPr>
             </a:br>
-            <a:r>
-              <a:rPr lang="en-US" altLang="zh-CN" sz="1700" dirty="0">
-                <a:solidFill>
-                  <a:schemeClr val="tx1"/>
-                </a:solidFill>
-                <a:sym typeface="+mn-ea"/>
-              </a:rPr>
-              <a:t/>
-            </a:r>
             <a:br>
               <a:rPr lang="en-US" altLang="zh-CN" sz="1700" dirty="0">
                 <a:solidFill>
@@ -3701,15 +3720,6 @@
                 <a:sym typeface="+mn-ea"/>
               </a:rPr>
             </a:br>
-            <a:r>
-              <a:rPr lang="en-US" altLang="zh-CN" sz="1700" dirty="0">
-                <a:solidFill>
-                  <a:schemeClr val="tx1"/>
-                </a:solidFill>
-                <a:sym typeface="+mn-ea"/>
-              </a:rPr>
-              <a:t/>
-            </a:r>
             <a:br>
               <a:rPr lang="en-US" altLang="zh-CN" sz="1700" dirty="0">
                 <a:solidFill>
@@ -3718,15 +3728,6 @@
                 <a:sym typeface="+mn-ea"/>
               </a:rPr>
             </a:br>
-            <a:r>
-              <a:rPr lang="en-US" altLang="zh-CN" sz="1700" dirty="0">
-                <a:solidFill>
-                  <a:schemeClr val="tx1"/>
-                </a:solidFill>
-                <a:sym typeface="+mn-ea"/>
-              </a:rPr>
-              <a:t/>
-            </a:r>
             <a:br>
               <a:rPr lang="en-US" altLang="zh-CN" sz="1700" dirty="0">
                 <a:solidFill>
@@ -3735,15 +3736,6 @@
                 <a:sym typeface="+mn-ea"/>
               </a:rPr>
             </a:br>
-            <a:r>
-              <a:rPr lang="en-US" altLang="zh-CN" sz="1700" dirty="0">
-                <a:solidFill>
-                  <a:schemeClr val="tx1"/>
-                </a:solidFill>
-                <a:sym typeface="+mn-ea"/>
-              </a:rPr>
-              <a:t/>
-            </a:r>
             <a:br>
               <a:rPr lang="en-US" altLang="zh-CN" sz="1700" dirty="0">
                 <a:solidFill>
@@ -3851,15 +3843,6 @@
                 <a:sym typeface="+mn-ea"/>
               </a:rPr>
               <a:t>- Array.prototype.splice(start,deleteCount?,elem1?,elem2?)</a:t>
-            </a:r>
-            <a:r>
-              <a:rPr lang="en-US" altLang="zh-CN" sz="1000" dirty="0">
-                <a:solidFill>
-                  <a:schemeClr val="tx1"/>
-                </a:solidFill>
-                <a:sym typeface="+mn-ea"/>
-              </a:rPr>
-              <a:t/>
             </a:r>
             <a:br>
               <a:rPr lang="en-US" altLang="zh-CN" sz="1000" dirty="0">
@@ -3999,7 +3982,7 @@
           <p:nvPr/>
         </p:nvPicPr>
         <p:blipFill>
-          <a:blip r:embed="rId3"/>
+          <a:blip r:embed="rId1"/>
           <a:stretch>
             <a:fillRect/>
           </a:stretch>
@@ -4582,6 +4565,12 @@
               </a:rPr>
               <a:t>思考冒泡排序</a:t>
             </a:r>
+            <a:endParaRPr lang="zh-CN" altLang="en-US" sz="1800" dirty="0">
+              <a:solidFill>
+                <a:schemeClr val="accent3"/>
+              </a:solidFill>
+              <a:sym typeface="+mn-ea"/>
+            </a:endParaRPr>
           </a:p>
           <a:p>
             <a:pPr>
@@ -4677,15 +4666,6 @@
               </a:rPr>
               <a:t>混淆了</a:t>
             </a:r>
-            <a:r>
-              <a:rPr lang="en-US" altLang="zh-CN" sz="1800" dirty="0">
-                <a:solidFill>
-                  <a:schemeClr val="tx1"/>
-                </a:solidFill>
-                <a:sym typeface="+mn-ea"/>
-              </a:rPr>
-              <a:t/>
-            </a:r>
             <a:br>
               <a:rPr lang="en-US" altLang="zh-CN" sz="1800" dirty="0">
                 <a:solidFill>
@@ -4712,6 +4692,12 @@
               </a:rPr>
               <a:t>注意返回的类型</a:t>
             </a:r>
+            <a:endParaRPr lang="zh-CN" altLang="en-US" sz="1800" dirty="0">
+              <a:solidFill>
+                <a:schemeClr val="tx1"/>
+              </a:solidFill>
+              <a:sym typeface="+mn-ea"/>
+            </a:endParaRPr>
           </a:p>
           <a:p>
             <a:pPr>
@@ -4746,15 +4732,6 @@
               </a:rPr>
               <a:t>非破坏性）</a:t>
             </a:r>
-            <a:r>
-              <a:rPr lang="zh-CN" altLang="en-US" sz="1000" dirty="0">
-                <a:solidFill>
-                  <a:schemeClr val="tx1"/>
-                </a:solidFill>
-                <a:sym typeface="+mn-ea"/>
-              </a:rPr>
-              <a:t/>
-            </a:r>
             <a:br>
               <a:rPr lang="zh-CN" altLang="en-US" sz="1000" dirty="0">
                 <a:solidFill>
@@ -4798,6 +4775,12 @@
               </a:rPr>
               <a:t>注意方向和起始点</a:t>
             </a:r>
+            <a:endParaRPr lang="zh-CN" altLang="en-US" sz="1800" dirty="0">
+              <a:solidFill>
+                <a:schemeClr val="tx1"/>
+              </a:solidFill>
+              <a:sym typeface="+mn-ea"/>
+            </a:endParaRPr>
           </a:p>
           <a:p>
             <a:pPr marL="0" indent="0">
@@ -4893,6 +4876,13 @@
               </a:rPr>
               <a:t>数组原型方法</a:t>
             </a:r>
+            <a:endParaRPr lang="zh-CN" altLang="en-US" sz="2200">
+              <a:solidFill>
+                <a:srgbClr val="FF0000"/>
+              </a:solidFill>
+              <a:latin typeface="+mn-ea"/>
+              <a:ea typeface="+mn-ea"/>
+            </a:endParaRPr>
           </a:p>
         </p:txBody>
       </p:sp>
@@ -5476,15 +5466,6 @@
               </a:rPr>
               <a:t>，不再后续迭代</a:t>
             </a:r>
-            <a:r>
-              <a:rPr lang="zh-CN" altLang="en-US" sz="3200" dirty="0">
-                <a:solidFill>
-                  <a:schemeClr val="tx1"/>
-                </a:solidFill>
-                <a:sym typeface="+mn-ea"/>
-              </a:rPr>
-              <a:t/>
-            </a:r>
             <a:br>
               <a:rPr lang="zh-CN" altLang="en-US" sz="3200" dirty="0">
                 <a:solidFill>
@@ -5529,6 +5510,12 @@
               </a:rPr>
               <a:t>，不再后续迭代</a:t>
             </a:r>
+            <a:endParaRPr lang="zh-CN" altLang="en-US" sz="1800" dirty="0">
+              <a:solidFill>
+                <a:schemeClr val="tx1"/>
+              </a:solidFill>
+              <a:sym typeface="+mn-ea"/>
+            </a:endParaRPr>
           </a:p>
           <a:p>
             <a:pPr>
@@ -5581,15 +5568,6 @@
               </a:rPr>
               <a:t>转换方法）</a:t>
             </a:r>
-            <a:r>
-              <a:rPr lang="zh-CN" altLang="en-US" sz="1800" dirty="0">
-                <a:solidFill>
-                  <a:schemeClr val="tx1"/>
-                </a:solidFill>
-                <a:sym typeface="+mn-ea"/>
-              </a:rPr>
-              <a:t/>
-            </a:r>
             <a:br>
               <a:rPr lang="zh-CN" altLang="en-US" sz="1800" dirty="0">
                 <a:solidFill>
@@ -5624,6 +5602,12 @@
               </a:rPr>
               <a:t>- Array.prototype.filter(callback,thisValue?)</a:t>
             </a:r>
+            <a:endParaRPr lang="en-US" altLang="zh-CN" sz="1800" dirty="0">
+              <a:solidFill>
+                <a:schemeClr val="tx1"/>
+              </a:solidFill>
+              <a:sym typeface="+mn-ea"/>
+            </a:endParaRPr>
           </a:p>
           <a:p>
             <a:pPr>
@@ -5676,15 +5660,6 @@
               </a:rPr>
               <a:t>归约方法）</a:t>
             </a:r>
-            <a:r>
-              <a:rPr lang="zh-CN" altLang="en-US" sz="1800" dirty="0">
-                <a:solidFill>
-                  <a:schemeClr val="tx1"/>
-                </a:solidFill>
-                <a:sym typeface="+mn-ea"/>
-              </a:rPr>
-              <a:t/>
-            </a:r>
             <a:br>
               <a:rPr lang="zh-CN" altLang="en-US" sz="1800" dirty="0">
                 <a:solidFill>
@@ -5719,6 +5694,12 @@
               </a:rPr>
               <a:t>- Array.prototype.reduceRight(callback,initialValue?)</a:t>
             </a:r>
+            <a:endParaRPr lang="en-US" altLang="zh-CN" sz="1800" dirty="0">
+              <a:solidFill>
+                <a:schemeClr val="tx1"/>
+              </a:solidFill>
+              <a:sym typeface="+mn-ea"/>
+            </a:endParaRPr>
           </a:p>
           <a:p>
             <a:pPr marL="0" indent="0">
@@ -6292,7 +6273,7 @@
           <p:nvPr/>
         </p:nvPicPr>
         <p:blipFill>
-          <a:blip r:embed="rId2">
+          <a:blip r:embed="rId1">
             <a:extLst>
               <a:ext uri="{28A0092B-C50C-407E-A947-70E740481C1C}">
                 <a14:useLocalDpi xmlns:a14="http://schemas.microsoft.com/office/drawing/2010/main" val="0"/>
@@ -6410,7 +6391,7 @@
           <p:nvPr/>
         </p:nvPicPr>
         <p:blipFill>
-          <a:blip r:embed="rId3">
+          <a:blip r:embed="rId2">
             <a:extLst>
               <a:ext uri="{28A0092B-C50C-407E-A947-70E740481C1C}">
                 <a14:useLocalDpi xmlns:a14="http://schemas.microsoft.com/office/drawing/2010/main" val="0"/>
@@ -6658,6 +6639,12 @@
               </a:rPr>
               <a:t>数组的创建和基本操作（增删改查）</a:t>
             </a:r>
+            <a:endParaRPr lang="zh-CN" altLang="en-US" sz="2800" b="1">
+              <a:solidFill>
+                <a:srgbClr val="FF0000"/>
+              </a:solidFill>
+              <a:sym typeface="+mn-ea"/>
+            </a:endParaRPr>
           </a:p>
           <a:p>
             <a:pPr algn="l">
@@ -6685,6 +6672,12 @@
               </a:rPr>
               <a:t>稀疏数组与多维数组</a:t>
             </a:r>
+            <a:endParaRPr lang="zh-CN" altLang="en-US" sz="2800" b="1">
+              <a:solidFill>
+                <a:schemeClr val="tx1"/>
+              </a:solidFill>
+              <a:sym typeface="+mn-ea"/>
+            </a:endParaRPr>
           </a:p>
           <a:p>
             <a:pPr algn="l">
@@ -7005,15 +6998,6 @@
               </a:rPr>
               <a:t>创建数组的方式</a:t>
             </a:r>
-            <a:r>
-              <a:rPr kumimoji="0" lang="en-US" altLang="zh-CN" sz="1800" dirty="0" smtClean="0">
-                <a:solidFill>
-                  <a:schemeClr val="tx1"/>
-                </a:solidFill>
-                <a:sym typeface="+mn-ea"/>
-              </a:rPr>
-              <a:t/>
-            </a:r>
             <a:br>
               <a:rPr kumimoji="0" lang="en-US" altLang="zh-CN" sz="1800" dirty="0" smtClean="0">
                 <a:solidFill>
@@ -7049,15 +7033,6 @@
               </a:rPr>
               <a:t>可以是任意的表达式</a:t>
             </a:r>
-            <a:r>
-              <a:rPr lang="zh-CN" altLang="en-US" sz="1800" dirty="0">
-                <a:solidFill>
-                  <a:schemeClr val="tx1"/>
-                </a:solidFill>
-                <a:sym typeface="+mn-ea"/>
-              </a:rPr>
-              <a:t/>
-            </a:r>
             <a:br>
               <a:rPr lang="zh-CN" altLang="en-US" sz="1800" dirty="0">
                 <a:solidFill>
@@ -7110,15 +7085,6 @@
                 <a:sym typeface="+mn-ea"/>
               </a:rPr>
               <a:t>注意传递的参数</a:t>
-            </a:r>
-            <a:r>
-              <a:rPr lang="en-US" altLang="zh-CN" sz="1800" dirty="0">
-                <a:solidFill>
-                  <a:schemeClr val="tx1"/>
-                </a:solidFill>
-                <a:sym typeface="+mn-ea"/>
-              </a:rPr>
-              <a:t/>
             </a:r>
             <a:br>
               <a:rPr lang="en-US" altLang="zh-CN" sz="1800" dirty="0">
@@ -7170,6 +7136,7 @@
               <a:rPr lang="zh-CN" altLang="en-US" dirty="0"/>
               <a:t>数组的创建和基本操作</a:t>
             </a:r>
+            <a:endParaRPr lang="zh-CN" altLang="en-US" dirty="0"/>
           </a:p>
         </p:txBody>
       </p:sp>
@@ -7226,27 +7193,35 @@
               </a:rPr>
               <a:t>创建数组实例</a:t>
             </a:r>
+            <a:endParaRPr lang="zh-CN" altLang="en-US" sz="2200">
+              <a:solidFill>
+                <a:srgbClr val="FF0000"/>
+              </a:solidFill>
+              <a:latin typeface="+mn-ea"/>
+              <a:ea typeface="+mn-ea"/>
+            </a:endParaRPr>
           </a:p>
         </p:txBody>
       </p:sp>
       <p:pic>
         <p:nvPicPr>
-          <p:cNvPr id="5" name="图片 4"/>
+          <p:cNvPr id="5" name="图片 4" descr="C:\Users\qile\Desktop\图片1.png图片1"/>
           <p:cNvPicPr>
             <a:picLocks noChangeAspect="1"/>
           </p:cNvPicPr>
           <p:nvPr/>
         </p:nvPicPr>
         <p:blipFill>
-          <a:blip r:embed="rId3"/>
+          <a:blip r:embed="rId1"/>
+          <a:srcRect/>
           <a:stretch>
             <a:fillRect/>
           </a:stretch>
         </p:blipFill>
         <p:spPr>
           <a:xfrm>
-            <a:off x="1253490" y="2681605"/>
-            <a:ext cx="8880475" cy="2731770"/>
+            <a:off x="1253490" y="2681923"/>
+            <a:ext cx="8880475" cy="2731135"/>
           </a:xfrm>
           <a:prstGeom prst="rect">
             <a:avLst/>
@@ -7261,7 +7236,7 @@
         </p:nvSpPr>
         <p:spPr>
           <a:xfrm>
-            <a:off x="6356350" y="2863215"/>
+            <a:off x="5208270" y="2863215"/>
             <a:ext cx="5420360" cy="429895"/>
           </a:xfrm>
           <a:prstGeom prst="rect">
@@ -7306,6 +7281,95 @@
               </a:rPr>
               <a:t>返回什么</a:t>
             </a:r>
+            <a:endParaRPr lang="zh-CN" altLang="en-US" sz="2200">
+              <a:solidFill>
+                <a:srgbClr val="FF0000"/>
+              </a:solidFill>
+              <a:latin typeface="+mn-ea"/>
+              <a:ea typeface="+mn-ea"/>
+            </a:endParaRPr>
+          </a:p>
+        </p:txBody>
+      </p:sp>
+      <p:sp>
+        <p:nvSpPr>
+          <p:cNvPr id="4" name="文本框 3"/>
+          <p:cNvSpPr txBox="1"/>
+          <p:nvPr/>
+        </p:nvSpPr>
+        <p:spPr>
+          <a:xfrm>
+            <a:off x="7945755" y="3552825"/>
+            <a:ext cx="2758440" cy="768350"/>
+          </a:xfrm>
+          <a:prstGeom prst="rect">
+            <a:avLst/>
+          </a:prstGeom>
+          <a:noFill/>
+        </p:spPr>
+        <p:txBody>
+          <a:bodyPr wrap="square" rtlCol="0">
+            <a:spAutoFit/>
+          </a:bodyPr>
+          <a:p>
+            <a:pPr algn="l"/>
+            <a:r>
+              <a:rPr lang="zh-CN" sz="2200">
+                <a:solidFill>
+                  <a:srgbClr val="FF0000"/>
+                </a:solidFill>
+                <a:latin typeface="+mn-ea"/>
+                <a:ea typeface="+mn-ea"/>
+              </a:rPr>
+              <a:t>思考：</a:t>
+            </a:r>
+            <a:r>
+              <a:rPr lang="en-US" altLang="zh-CN" sz="2200">
+                <a:solidFill>
+                  <a:srgbClr val="FF0000"/>
+                </a:solidFill>
+                <a:latin typeface="+mn-ea"/>
+                <a:ea typeface="+mn-ea"/>
+              </a:rPr>
+              <a:t>demo1</a:t>
+            </a:r>
+            <a:r>
+              <a:rPr lang="zh-CN" altLang="en-US" sz="2200">
+                <a:solidFill>
+                  <a:srgbClr val="FF0000"/>
+                </a:solidFill>
+                <a:latin typeface="+mn-ea"/>
+                <a:ea typeface="+mn-ea"/>
+              </a:rPr>
+              <a:t>中的</a:t>
+            </a:r>
+            <a:endParaRPr lang="zh-CN" altLang="en-US" sz="2200">
+              <a:solidFill>
+                <a:srgbClr val="FF0000"/>
+              </a:solidFill>
+              <a:latin typeface="+mn-ea"/>
+              <a:ea typeface="+mn-ea"/>
+            </a:endParaRPr>
+          </a:p>
+          <a:p>
+            <a:pPr algn="l"/>
+            <a:r>
+              <a:rPr lang="zh-CN" altLang="en-US" sz="2200">
+                <a:solidFill>
+                  <a:srgbClr val="FF0000"/>
+                </a:solidFill>
+                <a:latin typeface="+mn-ea"/>
+                <a:ea typeface="+mn-ea"/>
+              </a:rPr>
+              <a:t>异步初始化数组</a:t>
+            </a:r>
+            <a:endParaRPr lang="zh-CN" altLang="en-US" sz="2200">
+              <a:solidFill>
+                <a:srgbClr val="FF0000"/>
+              </a:solidFill>
+              <a:latin typeface="+mn-ea"/>
+              <a:ea typeface="+mn-ea"/>
+            </a:endParaRPr>
           </a:p>
         </p:txBody>
       </p:sp>
@@ -7604,21 +7668,112 @@
                             </p:childTnLst>
                           </p:cTn>
                         </p:par>
+                      </p:childTnLst>
+                    </p:cTn>
+                  </p:par>
+                  <p:par>
+                    <p:cTn id="21" fill="hold">
+                      <p:stCondLst>
+                        <p:cond delay="indefinite"/>
+                      </p:stCondLst>
+                      <p:childTnLst>
                         <p:par>
-                          <p:cTn id="21" fill="hold">
+                          <p:cTn id="22" fill="hold">
                             <p:stCondLst>
-                              <p:cond delay="500"/>
+                              <p:cond delay="0"/>
                             </p:stCondLst>
                             <p:childTnLst>
                               <p:par>
-                                <p:cTn id="22" presetID="2" presetClass="entr" presetSubtype="4" fill="hold" grpId="0" nodeType="afterEffect">
+                                <p:cTn id="23" presetID="2" presetClass="entr" presetSubtype="4" fill="hold" grpId="0" nodeType="clickEffect">
                                   <p:stCondLst>
                                     <p:cond delay="0"/>
                                   </p:stCondLst>
                                   <p:childTnLst>
                                     <p:set>
                                       <p:cBhvr>
-                                        <p:cTn id="23" dur="1" fill="hold">
+                                        <p:cTn id="24" dur="1" fill="hold">
+                                          <p:stCondLst>
+                                            <p:cond delay="0"/>
+                                          </p:stCondLst>
+                                        </p:cTn>
+                                        <p:tgtEl>
+                                          <p:spTgt spid="4"/>
+                                        </p:tgtEl>
+                                        <p:attrNameLst>
+                                          <p:attrName>style.visibility</p:attrName>
+                                        </p:attrNameLst>
+                                      </p:cBhvr>
+                                      <p:to>
+                                        <p:strVal val="visible"/>
+                                      </p:to>
+                                    </p:set>
+                                    <p:anim calcmode="lin" valueType="num">
+                                      <p:cBhvr additive="base">
+                                        <p:cTn id="25" dur="500" fill="hold"/>
+                                        <p:tgtEl>
+                                          <p:spTgt spid="4"/>
+                                        </p:tgtEl>
+                                        <p:attrNameLst>
+                                          <p:attrName>ppt_x</p:attrName>
+                                        </p:attrNameLst>
+                                      </p:cBhvr>
+                                      <p:tavLst>
+                                        <p:tav tm="0">
+                                          <p:val>
+                                            <p:strVal val="#ppt_x"/>
+                                          </p:val>
+                                        </p:tav>
+                                        <p:tav tm="100000">
+                                          <p:val>
+                                            <p:strVal val="#ppt_x"/>
+                                          </p:val>
+                                        </p:tav>
+                                      </p:tavLst>
+                                    </p:anim>
+                                    <p:anim calcmode="lin" valueType="num">
+                                      <p:cBhvr additive="base">
+                                        <p:cTn id="26" dur="500" fill="hold"/>
+                                        <p:tgtEl>
+                                          <p:spTgt spid="4"/>
+                                        </p:tgtEl>
+                                        <p:attrNameLst>
+                                          <p:attrName>ppt_y</p:attrName>
+                                        </p:attrNameLst>
+                                      </p:cBhvr>
+                                      <p:tavLst>
+                                        <p:tav tm="0">
+                                          <p:val>
+                                            <p:strVal val="1+#ppt_h/2"/>
+                                          </p:val>
+                                        </p:tav>
+                                        <p:tav tm="100000">
+                                          <p:val>
+                                            <p:strVal val="#ppt_y"/>
+                                          </p:val>
+                                        </p:tav>
+                                      </p:tavLst>
+                                    </p:anim>
+                                  </p:childTnLst>
+                                </p:cTn>
+                              </p:par>
+                            </p:childTnLst>
+                          </p:cTn>
+                        </p:par>
+                        <p:par>
+                          <p:cTn id="27" fill="hold">
+                            <p:stCondLst>
+                              <p:cond delay="500"/>
+                            </p:stCondLst>
+                            <p:childTnLst>
+                              <p:par>
+                                <p:cTn id="28" presetID="2" presetClass="entr" presetSubtype="4" fill="hold" grpId="0" nodeType="afterEffect">
+                                  <p:stCondLst>
+                                    <p:cond delay="0"/>
+                                  </p:stCondLst>
+                                  <p:childTnLst>
+                                    <p:set>
+                                      <p:cBhvr>
+                                        <p:cTn id="29" dur="1" fill="hold">
                                           <p:stCondLst>
                                             <p:cond delay="0"/>
                                           </p:stCondLst>
@@ -7636,7 +7791,7 @@
                                     </p:set>
                                     <p:anim calcmode="lin" valueType="num">
                                       <p:cBhvr additive="base">
-                                        <p:cTn id="24" dur="500" fill="hold"/>
+                                        <p:cTn id="30" dur="500" fill="hold"/>
                                         <p:tgtEl>
                                           <p:spTgt spid="6"/>
                                         </p:tgtEl>
@@ -7659,7 +7814,7 @@
                                     </p:anim>
                                     <p:anim calcmode="lin" valueType="num">
                                       <p:cBhvr additive="base">
-                                        <p:cTn id="25" dur="500" fill="hold"/>
+                                        <p:cTn id="31" dur="500" fill="hold"/>
                                         <p:tgtEl>
                                           <p:spTgt spid="6"/>
                                         </p:tgtEl>
@@ -7713,6 +7868,7 @@
     <p:bldLst>
       <p:bldP spid="6" grpId="0"/>
       <p:bldP spid="7" grpId="0"/>
+      <p:bldP spid="4" grpId="0"/>
     </p:bldLst>
   </p:timing>
 </p:sld>
@@ -7748,7 +7904,7 @@
         <p:spPr>
           <a:xfrm>
             <a:off x="927735" y="783590"/>
-            <a:ext cx="9776460" cy="4918710"/>
+            <a:ext cx="9776460" cy="5240020"/>
           </a:xfrm>
         </p:spPr>
         <p:txBody>
@@ -7768,15 +7924,6 @@
                 <a:sym typeface="+mn-ea"/>
               </a:rPr>
               <a:t>数组元素的增删改查的基本操作</a:t>
-            </a:r>
-            <a:r>
-              <a:rPr lang="en-US" altLang="zh-CN" sz="1800" dirty="0">
-                <a:solidFill>
-                  <a:schemeClr val="tx1"/>
-                </a:solidFill>
-                <a:sym typeface="+mn-ea"/>
-              </a:rPr>
-              <a:t/>
             </a:r>
             <a:br>
               <a:rPr lang="en-US" altLang="zh-CN" sz="1800" dirty="0">
@@ -7828,6 +7975,7 @@
               <a:rPr lang="zh-CN" altLang="en-US" dirty="0"/>
               <a:t>数组的创建和基本操作</a:t>
             </a:r>
+            <a:endParaRPr lang="zh-CN" altLang="en-US" dirty="0"/>
           </a:p>
         </p:txBody>
       </p:sp>
@@ -7840,7 +7988,7 @@
         <p:spPr>
           <a:xfrm>
             <a:off x="6229350" y="6180455"/>
-            <a:ext cx="5420360" cy="429895"/>
+            <a:ext cx="3371215" cy="429895"/>
           </a:xfrm>
           <a:prstGeom prst="rect">
             <a:avLst/>
@@ -7893,21 +8041,88 @@
           <p:nvPr/>
         </p:nvPicPr>
         <p:blipFill>
-          <a:blip r:embed="rId3"/>
+          <a:blip r:embed="rId1"/>
+          <a:srcRect b="43000"/>
           <a:stretch>
             <a:fillRect/>
           </a:stretch>
         </p:blipFill>
         <p:spPr>
           <a:xfrm>
-            <a:off x="1162685" y="1586230"/>
-            <a:ext cx="9091930" cy="4431665"/>
+            <a:off x="1162685" y="1550670"/>
+            <a:ext cx="8871585" cy="2465070"/>
           </a:xfrm>
           <a:prstGeom prst="rect">
             <a:avLst/>
           </a:prstGeom>
         </p:spPr>
       </p:pic>
+      <p:pic>
+        <p:nvPicPr>
+          <p:cNvPr id="7" name="图片 6" descr="CCJL3S{1UY(8769KRO4Z$G5"/>
+          <p:cNvPicPr>
+            <a:picLocks noChangeAspect="1"/>
+          </p:cNvPicPr>
+          <p:nvPr/>
+        </p:nvPicPr>
+        <p:blipFill>
+          <a:blip r:embed="rId2"/>
+          <a:stretch>
+            <a:fillRect/>
+          </a:stretch>
+        </p:blipFill>
+        <p:spPr>
+          <a:xfrm>
+            <a:off x="1090930" y="4345940"/>
+            <a:ext cx="4216400" cy="1606550"/>
+          </a:xfrm>
+          <a:prstGeom prst="rect">
+            <a:avLst/>
+          </a:prstGeom>
+        </p:spPr>
+      </p:pic>
+      <p:sp>
+        <p:nvSpPr>
+          <p:cNvPr id="8" name="文本框 7"/>
+          <p:cNvSpPr txBox="1"/>
+          <p:nvPr/>
+        </p:nvSpPr>
+        <p:spPr>
+          <a:xfrm>
+            <a:off x="4410075" y="4785360"/>
+            <a:ext cx="2109470" cy="429895"/>
+          </a:xfrm>
+          <a:prstGeom prst="rect">
+            <a:avLst/>
+          </a:prstGeom>
+          <a:noFill/>
+        </p:spPr>
+        <p:txBody>
+          <a:bodyPr wrap="square" rtlCol="0">
+            <a:spAutoFit/>
+          </a:bodyPr>
+          <a:p>
+            <a:pPr algn="l"/>
+            <a:r>
+              <a:rPr lang="zh-CN" altLang="en-US" sz="2200">
+                <a:solidFill>
+                  <a:srgbClr val="FF0000"/>
+                </a:solidFill>
+                <a:latin typeface="+mn-ea"/>
+                <a:ea typeface="+mn-ea"/>
+              </a:rPr>
+              <a:t>思考左侧案例</a:t>
+            </a:r>
+            <a:endParaRPr lang="zh-CN" altLang="en-US" sz="2200">
+              <a:solidFill>
+                <a:srgbClr val="FF0000"/>
+              </a:solidFill>
+              <a:latin typeface="+mn-ea"/>
+              <a:ea typeface="+mn-ea"/>
+            </a:endParaRPr>
+          </a:p>
+        </p:txBody>
+      </p:sp>
     </p:spTree>
   </p:cSld>
   <p:clrMapOvr>
@@ -8119,7 +8334,7 @@
                             </p:stCondLst>
                             <p:childTnLst>
                               <p:par>
-                                <p:cTn id="16" presetID="2" presetClass="entr" presetSubtype="4" fill="hold" grpId="0" nodeType="clickEffect">
+                                <p:cTn id="16" presetID="2" presetClass="entr" presetSubtype="4" fill="hold" nodeType="clickEffect">
                                   <p:stCondLst>
                                     <p:cond delay="0"/>
                                   </p:stCondLst>
@@ -8127,6 +8342,179 @@
                                     <p:set>
                                       <p:cBhvr>
                                         <p:cTn id="17" dur="1" fill="hold">
+                                          <p:stCondLst>
+                                            <p:cond delay="0"/>
+                                          </p:stCondLst>
+                                        </p:cTn>
+                                        <p:tgtEl>
+                                          <p:spTgt spid="7"/>
+                                        </p:tgtEl>
+                                        <p:attrNameLst>
+                                          <p:attrName>style.visibility</p:attrName>
+                                        </p:attrNameLst>
+                                      </p:cBhvr>
+                                      <p:to>
+                                        <p:strVal val="visible"/>
+                                      </p:to>
+                                    </p:set>
+                                    <p:anim calcmode="lin" valueType="num">
+                                      <p:cBhvr additive="base">
+                                        <p:cTn id="18" dur="500" fill="hold"/>
+                                        <p:tgtEl>
+                                          <p:spTgt spid="7"/>
+                                        </p:tgtEl>
+                                        <p:attrNameLst>
+                                          <p:attrName>ppt_x</p:attrName>
+                                        </p:attrNameLst>
+                                      </p:cBhvr>
+                                      <p:tavLst>
+                                        <p:tav tm="0">
+                                          <p:val>
+                                            <p:strVal val="#ppt_x"/>
+                                          </p:val>
+                                        </p:tav>
+                                        <p:tav tm="100000">
+                                          <p:val>
+                                            <p:strVal val="#ppt_x"/>
+                                          </p:val>
+                                        </p:tav>
+                                      </p:tavLst>
+                                    </p:anim>
+                                    <p:anim calcmode="lin" valueType="num">
+                                      <p:cBhvr additive="base">
+                                        <p:cTn id="19" dur="500" fill="hold"/>
+                                        <p:tgtEl>
+                                          <p:spTgt spid="7"/>
+                                        </p:tgtEl>
+                                        <p:attrNameLst>
+                                          <p:attrName>ppt_y</p:attrName>
+                                        </p:attrNameLst>
+                                      </p:cBhvr>
+                                      <p:tavLst>
+                                        <p:tav tm="0">
+                                          <p:val>
+                                            <p:strVal val="1+#ppt_h/2"/>
+                                          </p:val>
+                                        </p:tav>
+                                        <p:tav tm="100000">
+                                          <p:val>
+                                            <p:strVal val="#ppt_y"/>
+                                          </p:val>
+                                        </p:tav>
+                                      </p:tavLst>
+                                    </p:anim>
+                                  </p:childTnLst>
+                                </p:cTn>
+                              </p:par>
+                            </p:childTnLst>
+                          </p:cTn>
+                        </p:par>
+                        <p:par>
+                          <p:cTn id="20" fill="hold">
+                            <p:stCondLst>
+                              <p:cond delay="500"/>
+                            </p:stCondLst>
+                            <p:childTnLst>
+                              <p:par>
+                                <p:cTn id="21" presetID="2" presetClass="entr" presetSubtype="4" fill="hold" grpId="0" nodeType="afterEffect">
+                                  <p:stCondLst>
+                                    <p:cond delay="0"/>
+                                  </p:stCondLst>
+                                  <p:childTnLst>
+                                    <p:set>
+                                      <p:cBhvr>
+                                        <p:cTn id="22" dur="1" fill="hold">
+                                          <p:stCondLst>
+                                            <p:cond delay="0"/>
+                                          </p:stCondLst>
+                                        </p:cTn>
+                                        <p:tgtEl>
+                                          <p:spTgt spid="8"/>
+                                        </p:tgtEl>
+                                        <p:attrNameLst>
+                                          <p:attrName>style.visibility</p:attrName>
+                                        </p:attrNameLst>
+                                      </p:cBhvr>
+                                      <p:to>
+                                        <p:strVal val="visible"/>
+                                      </p:to>
+                                    </p:set>
+                                    <p:anim calcmode="lin" valueType="num">
+                                      <p:cBhvr additive="base">
+                                        <p:cTn id="23" dur="500" fill="hold"/>
+                                        <p:tgtEl>
+                                          <p:spTgt spid="8"/>
+                                        </p:tgtEl>
+                                        <p:attrNameLst>
+                                          <p:attrName>ppt_x</p:attrName>
+                                        </p:attrNameLst>
+                                      </p:cBhvr>
+                                      <p:tavLst>
+                                        <p:tav tm="0">
+                                          <p:val>
+                                            <p:strVal val="#ppt_x"/>
+                                          </p:val>
+                                        </p:tav>
+                                        <p:tav tm="100000">
+                                          <p:val>
+                                            <p:strVal val="#ppt_x"/>
+                                          </p:val>
+                                        </p:tav>
+                                      </p:tavLst>
+                                    </p:anim>
+                                    <p:anim calcmode="lin" valueType="num">
+                                      <p:cBhvr additive="base">
+                                        <p:cTn id="24" dur="500" fill="hold"/>
+                                        <p:tgtEl>
+                                          <p:spTgt spid="8"/>
+                                        </p:tgtEl>
+                                        <p:attrNameLst>
+                                          <p:attrName>ppt_y</p:attrName>
+                                        </p:attrNameLst>
+                                      </p:cBhvr>
+                                      <p:tavLst>
+                                        <p:tav tm="0">
+                                          <p:val>
+                                            <p:strVal val="1+#ppt_h/2"/>
+                                          </p:val>
+                                        </p:tav>
+                                        <p:tav tm="100000">
+                                          <p:val>
+                                            <p:strVal val="#ppt_y"/>
+                                          </p:val>
+                                        </p:tav>
+                                      </p:tavLst>
+                                    </p:anim>
+                                  </p:childTnLst>
+                                </p:cTn>
+                              </p:par>
+                            </p:childTnLst>
+                          </p:cTn>
+                        </p:par>
+                      </p:childTnLst>
+                    </p:cTn>
+                  </p:par>
+                  <p:par>
+                    <p:cTn id="25" fill="hold">
+                      <p:stCondLst>
+                        <p:cond delay="indefinite"/>
+                      </p:stCondLst>
+                      <p:childTnLst>
+                        <p:par>
+                          <p:cTn id="26" fill="hold">
+                            <p:stCondLst>
+                              <p:cond delay="0"/>
+                            </p:stCondLst>
+                            <p:childTnLst>
+                              <p:par>
+                                <p:cTn id="27" presetID="2" presetClass="entr" presetSubtype="4" fill="hold" grpId="0" nodeType="clickEffect">
+                                  <p:stCondLst>
+                                    <p:cond delay="0"/>
+                                  </p:stCondLst>
+                                  <p:childTnLst>
+                                    <p:set>
+                                      <p:cBhvr>
+                                        <p:cTn id="28" dur="1" fill="hold">
                                           <p:stCondLst>
                                             <p:cond delay="0"/>
                                           </p:stCondLst>
@@ -8144,7 +8532,7 @@
                                     </p:set>
                                     <p:anim calcmode="lin" valueType="num">
                                       <p:cBhvr additive="base">
-                                        <p:cTn id="18" dur="500" fill="hold"/>
+                                        <p:cTn id="29" dur="500" fill="hold"/>
                                         <p:tgtEl>
                                           <p:spTgt spid="6"/>
                                         </p:tgtEl>
@@ -8167,7 +8555,7 @@
                                     </p:anim>
                                     <p:anim calcmode="lin" valueType="num">
                                       <p:cBhvr additive="base">
-                                        <p:cTn id="19" dur="500" fill="hold"/>
+                                        <p:cTn id="30" dur="500" fill="hold"/>
                                         <p:tgtEl>
                                           <p:spTgt spid="6"/>
                                         </p:tgtEl>
@@ -8220,6 +8608,7 @@
     </p:tnLst>
     <p:bldLst>
       <p:bldP spid="6" grpId="0"/>
+      <p:bldP spid="8" grpId="0"/>
     </p:bldLst>
   </p:timing>
 </p:sld>
@@ -8479,15 +8868,6 @@
               </a:rPr>
               <a:t>作为数组的元素，而不是数组对象的属性</a:t>
             </a:r>
-            <a:r>
-              <a:rPr lang="en-US" altLang="zh-CN" sz="1800" dirty="0">
-                <a:solidFill>
-                  <a:schemeClr val="tx1"/>
-                </a:solidFill>
-                <a:sym typeface="+mn-ea"/>
-              </a:rPr>
-              <a:t/>
-            </a:r>
             <a:br>
               <a:rPr lang="en-US" altLang="zh-CN" sz="1800" dirty="0">
                 <a:solidFill>
@@ -8538,6 +8918,7 @@
               <a:rPr lang="zh-CN" altLang="en-US" dirty="0"/>
               <a:t>数组的创建和基本操作</a:t>
             </a:r>
+            <a:endParaRPr lang="zh-CN" altLang="en-US" dirty="0"/>
           </a:p>
         </p:txBody>
       </p:sp>
@@ -8603,7 +8984,7 @@
           <p:nvPr/>
         </p:nvPicPr>
         <p:blipFill>
-          <a:blip r:embed="rId3"/>
+          <a:blip r:embed="rId1"/>
           <a:stretch>
             <a:fillRect/>
           </a:stretch>
@@ -9123,6 +9504,12 @@
               </a:rPr>
               <a:t>数组的创建和基本操作（增删改查）</a:t>
             </a:r>
+            <a:endParaRPr lang="zh-CN" altLang="en-US" sz="2800" b="1">
+              <a:solidFill>
+                <a:schemeClr val="tx1"/>
+              </a:solidFill>
+              <a:sym typeface="+mn-ea"/>
+            </a:endParaRPr>
           </a:p>
           <a:p>
             <a:pPr algn="l">
@@ -9150,6 +9537,12 @@
               </a:rPr>
               <a:t>稀疏数组与多维数组</a:t>
             </a:r>
+            <a:endParaRPr lang="zh-CN" altLang="en-US" sz="2800" b="1">
+              <a:solidFill>
+                <a:srgbClr val="FF0000"/>
+              </a:solidFill>
+              <a:sym typeface="+mn-ea"/>
+            </a:endParaRPr>
           </a:p>
           <a:p>
             <a:pPr algn="l">
@@ -9558,15 +9951,6 @@
               </a:rPr>
               <a:t>遍历稀疏数组时，注意的跳过无元素项的问题</a:t>
             </a:r>
-            <a:r>
-              <a:rPr lang="en-US" altLang="zh-CN" sz="1800" dirty="0">
-                <a:solidFill>
-                  <a:schemeClr val="tx1"/>
-                </a:solidFill>
-                <a:sym typeface="+mn-ea"/>
-              </a:rPr>
-              <a:t/>
-            </a:r>
             <a:br>
               <a:rPr lang="en-US" altLang="zh-CN" sz="1800" dirty="0">
                 <a:solidFill>
@@ -9705,7 +10089,7 @@
           <p:nvPr/>
         </p:nvPicPr>
         <p:blipFill>
-          <a:blip r:embed="rId3"/>
+          <a:blip r:embed="rId1"/>
           <a:stretch>
             <a:fillRect/>
           </a:stretch>
@@ -10132,15 +10516,6 @@
               </a:rPr>
               <a:t>来模拟多维数组</a:t>
             </a:r>
-            <a:r>
-              <a:rPr lang="en-US" altLang="zh-CN" sz="1800" dirty="0">
-                <a:solidFill>
-                  <a:schemeClr val="tx1"/>
-                </a:solidFill>
-                <a:sym typeface="+mn-ea"/>
-              </a:rPr>
-              <a:t/>
-            </a:r>
             <a:br>
               <a:rPr lang="en-US" altLang="zh-CN" sz="1800" dirty="0">
                 <a:solidFill>
@@ -10250,6 +10625,13 @@
               </a:rPr>
               <a:t>多维数组（矩形、交错）</a:t>
             </a:r>
+            <a:endParaRPr lang="zh-CN" altLang="en-US" sz="2200">
+              <a:solidFill>
+                <a:srgbClr val="FF0000"/>
+              </a:solidFill>
+              <a:latin typeface="+mn-ea"/>
+              <a:ea typeface="+mn-ea"/>
+            </a:endParaRPr>
           </a:p>
         </p:txBody>
       </p:sp>
@@ -10262,7 +10644,7 @@
           <p:nvPr/>
         </p:nvPicPr>
         <p:blipFill>
-          <a:blip r:embed="rId3"/>
+          <a:blip r:embed="rId1"/>
           <a:stretch>
             <a:fillRect/>
           </a:stretch>
@@ -10330,6 +10712,13 @@
               </a:rPr>
               <a:t>循环合并</a:t>
             </a:r>
+            <a:endParaRPr lang="zh-CN" altLang="en-US" sz="2200">
+              <a:solidFill>
+                <a:srgbClr val="FF0000"/>
+              </a:solidFill>
+              <a:latin typeface="+mn-ea"/>
+              <a:ea typeface="+mn-ea"/>
+            </a:endParaRPr>
           </a:p>
         </p:txBody>
       </p:sp>
@@ -10921,6 +11310,12 @@
               </a:rPr>
               <a:t>数组的创建和基本操作（增删改查）</a:t>
             </a:r>
+            <a:endParaRPr lang="zh-CN" altLang="en-US" sz="2800" b="1">
+              <a:solidFill>
+                <a:schemeClr val="tx1"/>
+              </a:solidFill>
+              <a:sym typeface="+mn-ea"/>
+            </a:endParaRPr>
           </a:p>
           <a:p>
             <a:pPr algn="l">
@@ -10948,6 +11343,12 @@
               </a:rPr>
               <a:t>稀疏数组与多维数组</a:t>
             </a:r>
+            <a:endParaRPr lang="zh-CN" altLang="en-US" sz="2800" b="1">
+              <a:solidFill>
+                <a:schemeClr val="tx1"/>
+              </a:solidFill>
+              <a:sym typeface="+mn-ea"/>
+            </a:endParaRPr>
           </a:p>
           <a:p>
             <a:pPr algn="l">
@@ -10975,6 +11376,12 @@
               </a:rPr>
               <a:t>数组的方法和相关高阶函数</a:t>
             </a:r>
+            <a:endParaRPr lang="zh-CN" altLang="en-US" sz="2800" b="1">
+              <a:solidFill>
+                <a:srgbClr val="FF0000"/>
+              </a:solidFill>
+              <a:sym typeface="+mn-ea"/>
+            </a:endParaRPr>
           </a:p>
         </p:txBody>
       </p:sp>
@@ -11545,10 +11952,9 @@
       </a:lstStyle>
     </a:lnDef>
   </a:objectDefaults>
-  <a:extraClrSchemeLst/>
   <a:extLst>
     <a:ext uri="{05A4C25C-085E-4340-85A3-A5531E510DB2}">
-      <thm15:themeFamily xmlns="" xmlns:thm15="http://schemas.microsoft.com/office/thememl/2012/main" name="Office Theme" id="{62F939B6-93AF-4DB8-9C6B-D6C7DFDC589F}" vid="{4A3C46E8-61CC-4603-A589-7422A47A8E4A}"/>
+      <thm15:themeFamily xmlns:thm15="http://schemas.microsoft.com/office/thememl/2012/main" name="Office Theme" id="{62F939B6-93AF-4DB8-9C6B-D6C7DFDC589F}" vid="{4A3C46E8-61CC-4603-A589-7422A47A8E4A}"/>
     </a:ext>
   </a:extLst>
 </a:theme>
@@ -11832,11 +12238,9 @@
       </a:bgFillStyleLst>
     </a:fmtScheme>
   </a:themeElements>
-  <a:objectDefaults/>
-  <a:extraClrSchemeLst/>
   <a:extLst>
     <a:ext uri="{05A4C25C-085E-4340-85A3-A5531E510DB2}">
-      <thm15:themeFamily xmlns="" xmlns:thm15="http://schemas.microsoft.com/office/thememl/2012/main" name="Office Theme" id="{62F939B6-93AF-4DB8-9C6B-D6C7DFDC589F}" vid="{4A3C46E8-61CC-4603-A589-7422A47A8E4A}"/>
+      <thm15:themeFamily xmlns:thm15="http://schemas.microsoft.com/office/thememl/2012/main" name="Office Theme" id="{62F939B6-93AF-4DB8-9C6B-D6C7DFDC589F}" vid="{4A3C46E8-61CC-4603-A589-7422A47A8E4A}"/>
     </a:ext>
   </a:extLst>
 </a:theme>

--- a/课程PPT/18.JS标准内置对象-构造器（Array）.pptx
+++ b/课程PPT/18.JS标准内置对象-构造器（Array）.pptx
@@ -3704,46 +3704,6 @@
               </a:rPr>
               <a:t>等（具体参见实例）</a:t>
             </a:r>
-            <a:br>
-              <a:rPr lang="en-US" altLang="zh-CN" sz="1800" dirty="0">
-                <a:solidFill>
-                  <a:schemeClr val="tx1"/>
-                </a:solidFill>
-                <a:sym typeface="+mn-ea"/>
-              </a:rPr>
-            </a:br>
-            <a:br>
-              <a:rPr lang="en-US" altLang="zh-CN" sz="1700" dirty="0">
-                <a:solidFill>
-                  <a:schemeClr val="tx1"/>
-                </a:solidFill>
-                <a:sym typeface="+mn-ea"/>
-              </a:rPr>
-            </a:br>
-            <a:br>
-              <a:rPr lang="en-US" altLang="zh-CN" sz="1700" dirty="0">
-                <a:solidFill>
-                  <a:schemeClr val="tx1"/>
-                </a:solidFill>
-                <a:sym typeface="+mn-ea"/>
-              </a:rPr>
-            </a:br>
-            <a:br>
-              <a:rPr lang="en-US" altLang="zh-CN" sz="1700" dirty="0">
-                <a:solidFill>
-                  <a:schemeClr val="tx1"/>
-                </a:solidFill>
-                <a:sym typeface="+mn-ea"/>
-              </a:rPr>
-            </a:br>
-            <a:br>
-              <a:rPr lang="en-US" altLang="zh-CN" sz="1700" dirty="0">
-                <a:solidFill>
-                  <a:schemeClr val="tx1"/>
-                </a:solidFill>
-                <a:sym typeface="+mn-ea"/>
-              </a:rPr>
-            </a:br>
             <a:endParaRPr lang="en-US" altLang="zh-CN" sz="1700" dirty="0">
               <a:solidFill>
                 <a:schemeClr val="tx1"/>
@@ -3975,7 +3935,7 @@
       </p:sp>
       <p:pic>
         <p:nvPicPr>
-          <p:cNvPr id="7" name="图片 6"/>
+          <p:cNvPr id="4" name="图片 3"/>
           <p:cNvPicPr>
             <a:picLocks noChangeAspect="1"/>
           </p:cNvPicPr>
@@ -3989,7 +3949,7 @@
         </p:blipFill>
         <p:spPr>
           <a:xfrm>
-            <a:off x="1204595" y="2039620"/>
+            <a:off x="1198245" y="4100830"/>
             <a:ext cx="10641965" cy="2007870"/>
           </a:xfrm>
           <a:prstGeom prst="rect">
@@ -4139,7 +4099,11 @@
                                           </p:stCondLst>
                                         </p:cTn>
                                         <p:tgtEl>
-                                          <p:spTgt spid="7"/>
+                                          <p:spTgt spid="2">
+                                            <p:txEl>
+                                              <p:pRg st="1" end="1"/>
+                                            </p:txEl>
+                                          </p:spTgt>
                                         </p:tgtEl>
                                         <p:attrNameLst>
                                           <p:attrName>style.visibility</p:attrName>
@@ -4153,7 +4117,11 @@
                                       <p:cBhvr additive="base">
                                         <p:cTn id="13" dur="500" fill="hold"/>
                                         <p:tgtEl>
-                                          <p:spTgt spid="7"/>
+                                          <p:spTgt spid="2">
+                                            <p:txEl>
+                                              <p:pRg st="1" end="1"/>
+                                            </p:txEl>
+                                          </p:spTgt>
                                         </p:tgtEl>
                                         <p:attrNameLst>
                                           <p:attrName>ppt_x</p:attrName>
@@ -4176,7 +4144,11 @@
                                       <p:cBhvr additive="base">
                                         <p:cTn id="14" dur="500" fill="hold"/>
                                         <p:tgtEl>
-                                          <p:spTgt spid="7"/>
+                                          <p:spTgt spid="2">
+                                            <p:txEl>
+                                              <p:pRg st="1" end="1"/>
+                                            </p:txEl>
+                                          </p:spTgt>
                                         </p:tgtEl>
                                         <p:attrNameLst>
                                           <p:attrName>ppt_y</p:attrName>
@@ -4230,11 +4202,7 @@
                                           </p:stCondLst>
                                         </p:cTn>
                                         <p:tgtEl>
-                                          <p:spTgt spid="2">
-                                            <p:txEl>
-                                              <p:pRg st="1" end="1"/>
-                                            </p:txEl>
-                                          </p:spTgt>
+                                          <p:spTgt spid="4"/>
                                         </p:tgtEl>
                                         <p:attrNameLst>
                                           <p:attrName>style.visibility</p:attrName>
@@ -4248,11 +4216,7 @@
                                       <p:cBhvr additive="base">
                                         <p:cTn id="19" dur="500" fill="hold"/>
                                         <p:tgtEl>
-                                          <p:spTgt spid="2">
-                                            <p:txEl>
-                                              <p:pRg st="1" end="1"/>
-                                            </p:txEl>
-                                          </p:spTgt>
+                                          <p:spTgt spid="4"/>
                                         </p:tgtEl>
                                         <p:attrNameLst>
                                           <p:attrName>ppt_x</p:attrName>
@@ -4275,11 +4239,7 @@
                                       <p:cBhvr additive="base">
                                         <p:cTn id="20" dur="500" fill="hold"/>
                                         <p:tgtEl>
-                                          <p:spTgt spid="2">
-                                            <p:txEl>
-                                              <p:pRg st="1" end="1"/>
-                                            </p:txEl>
-                                          </p:spTgt>
+                                          <p:spTgt spid="4"/>
                                         </p:tgtEl>
                                         <p:attrNameLst>
                                           <p:attrName>ppt_y</p:attrName>
